--- a/Operating system/project4-IPC-and-process-management/P4DesignReview.pptx
+++ b/Operating system/project4-IPC-and-process-management/P4DesignReview.pptx
@@ -2,7 +2,7 @@
 <file path=ppt/presentation.xml><?xml version="1.0" encoding="utf-8"?>
 <p:presentation xmlns:a="http://schemas.openxmlformats.org/drawingml/2006/main" xmlns:r="http://schemas.openxmlformats.org/officeDocument/2006/relationships" xmlns:p="http://schemas.openxmlformats.org/presentationml/2006/main">
   <p:sldMasterIdLst>
-    <p:sldMasterId id="2147483791" r:id="rId1"/>
+    <p:sldMasterId id="2147483941" r:id="rId1"/>
   </p:sldMasterIdLst>
   <p:sldIdLst>
     <p:sldId id="256" r:id="rId2"/>
@@ -357,7 +357,7 @@
     </p:spTree>
     <p:extLst>
       <p:ext uri="{BB962C8B-B14F-4D97-AF65-F5344CB8AC3E}">
-        <p14:creationId xmlns:p14="http://schemas.microsoft.com/office/powerpoint/2010/main" val="1373751590"/>
+        <p14:creationId xmlns:p14="http://schemas.microsoft.com/office/powerpoint/2010/main" val="813322118"/>
       </p:ext>
     </p:extLst>
   </p:cSld>
@@ -632,7 +632,7 @@
     </p:spTree>
     <p:extLst>
       <p:ext uri="{BB962C8B-B14F-4D97-AF65-F5344CB8AC3E}">
-        <p14:creationId xmlns:p14="http://schemas.microsoft.com/office/powerpoint/2010/main" val="4241120663"/>
+        <p14:creationId xmlns:p14="http://schemas.microsoft.com/office/powerpoint/2010/main" val="3885116301"/>
       </p:ext>
     </p:extLst>
   </p:cSld>
@@ -826,7 +826,7 @@
     </p:spTree>
     <p:extLst>
       <p:ext uri="{BB962C8B-B14F-4D97-AF65-F5344CB8AC3E}">
-        <p14:creationId xmlns:p14="http://schemas.microsoft.com/office/powerpoint/2010/main" val="3586698166"/>
+        <p14:creationId xmlns:p14="http://schemas.microsoft.com/office/powerpoint/2010/main" val="835881112"/>
       </p:ext>
     </p:extLst>
   </p:cSld>
@@ -1193,7 +1193,7 @@
     </p:spTree>
     <p:extLst>
       <p:ext uri="{BB962C8B-B14F-4D97-AF65-F5344CB8AC3E}">
-        <p14:creationId xmlns:p14="http://schemas.microsoft.com/office/powerpoint/2010/main" val="1231005399"/>
+        <p14:creationId xmlns:p14="http://schemas.microsoft.com/office/powerpoint/2010/main" val="2748502629"/>
       </p:ext>
     </p:extLst>
   </p:cSld>
@@ -1440,7 +1440,7 @@
     </p:spTree>
     <p:extLst>
       <p:ext uri="{BB962C8B-B14F-4D97-AF65-F5344CB8AC3E}">
-        <p14:creationId xmlns:p14="http://schemas.microsoft.com/office/powerpoint/2010/main" val="1439104340"/>
+        <p14:creationId xmlns:p14="http://schemas.microsoft.com/office/powerpoint/2010/main" val="2100589439"/>
       </p:ext>
     </p:extLst>
   </p:cSld>
@@ -2063,7 +2063,7 @@
     </p:spTree>
     <p:extLst>
       <p:ext uri="{BB962C8B-B14F-4D97-AF65-F5344CB8AC3E}">
-        <p14:creationId xmlns:p14="http://schemas.microsoft.com/office/powerpoint/2010/main" val="751232233"/>
+        <p14:creationId xmlns:p14="http://schemas.microsoft.com/office/powerpoint/2010/main" val="1749213018"/>
       </p:ext>
     </p:extLst>
   </p:cSld>
@@ -2923,7 +2923,7 @@
     </p:spTree>
     <p:extLst>
       <p:ext uri="{BB962C8B-B14F-4D97-AF65-F5344CB8AC3E}">
-        <p14:creationId xmlns:p14="http://schemas.microsoft.com/office/powerpoint/2010/main" val="285901077"/>
+        <p14:creationId xmlns:p14="http://schemas.microsoft.com/office/powerpoint/2010/main" val="3737152150"/>
       </p:ext>
     </p:extLst>
   </p:cSld>
@@ -3093,7 +3093,7 @@
     </p:spTree>
     <p:extLst>
       <p:ext uri="{BB962C8B-B14F-4D97-AF65-F5344CB8AC3E}">
-        <p14:creationId xmlns:p14="http://schemas.microsoft.com/office/powerpoint/2010/main" val="3175919270"/>
+        <p14:creationId xmlns:p14="http://schemas.microsoft.com/office/powerpoint/2010/main" val="2019402805"/>
       </p:ext>
     </p:extLst>
   </p:cSld>
@@ -3273,7 +3273,7 @@
     </p:spTree>
     <p:extLst>
       <p:ext uri="{BB962C8B-B14F-4D97-AF65-F5344CB8AC3E}">
-        <p14:creationId xmlns:p14="http://schemas.microsoft.com/office/powerpoint/2010/main" val="2177017089"/>
+        <p14:creationId xmlns:p14="http://schemas.microsoft.com/office/powerpoint/2010/main" val="821325270"/>
       </p:ext>
     </p:extLst>
   </p:cSld>
@@ -3443,7 +3443,7 @@
     </p:spTree>
     <p:extLst>
       <p:ext uri="{BB962C8B-B14F-4D97-AF65-F5344CB8AC3E}">
-        <p14:creationId xmlns:p14="http://schemas.microsoft.com/office/powerpoint/2010/main" val="1088960745"/>
+        <p14:creationId xmlns:p14="http://schemas.microsoft.com/office/powerpoint/2010/main" val="3422741465"/>
       </p:ext>
     </p:extLst>
   </p:cSld>
@@ -3690,7 +3690,7 @@
     </p:spTree>
     <p:extLst>
       <p:ext uri="{BB962C8B-B14F-4D97-AF65-F5344CB8AC3E}">
-        <p14:creationId xmlns:p14="http://schemas.microsoft.com/office/powerpoint/2010/main" val="2921081507"/>
+        <p14:creationId xmlns:p14="http://schemas.microsoft.com/office/powerpoint/2010/main" val="1540132265"/>
       </p:ext>
     </p:extLst>
   </p:cSld>
@@ -3982,7 +3982,7 @@
     </p:spTree>
     <p:extLst>
       <p:ext uri="{BB962C8B-B14F-4D97-AF65-F5344CB8AC3E}">
-        <p14:creationId xmlns:p14="http://schemas.microsoft.com/office/powerpoint/2010/main" val="3806471929"/>
+        <p14:creationId xmlns:p14="http://schemas.microsoft.com/office/powerpoint/2010/main" val="648240930"/>
       </p:ext>
     </p:extLst>
   </p:cSld>
@@ -4426,7 +4426,7 @@
     </p:spTree>
     <p:extLst>
       <p:ext uri="{BB962C8B-B14F-4D97-AF65-F5344CB8AC3E}">
-        <p14:creationId xmlns:p14="http://schemas.microsoft.com/office/powerpoint/2010/main" val="1314618327"/>
+        <p14:creationId xmlns:p14="http://schemas.microsoft.com/office/powerpoint/2010/main" val="2150703424"/>
       </p:ext>
     </p:extLst>
   </p:cSld>
@@ -4544,7 +4544,7 @@
     </p:spTree>
     <p:extLst>
       <p:ext uri="{BB962C8B-B14F-4D97-AF65-F5344CB8AC3E}">
-        <p14:creationId xmlns:p14="http://schemas.microsoft.com/office/powerpoint/2010/main" val="2063585368"/>
+        <p14:creationId xmlns:p14="http://schemas.microsoft.com/office/powerpoint/2010/main" val="2763293868"/>
       </p:ext>
     </p:extLst>
   </p:cSld>
@@ -4639,7 +4639,7 @@
     </p:spTree>
     <p:extLst>
       <p:ext uri="{BB962C8B-B14F-4D97-AF65-F5344CB8AC3E}">
-        <p14:creationId xmlns:p14="http://schemas.microsoft.com/office/powerpoint/2010/main" val="1671412522"/>
+        <p14:creationId xmlns:p14="http://schemas.microsoft.com/office/powerpoint/2010/main" val="3824058133"/>
       </p:ext>
     </p:extLst>
   </p:cSld>
@@ -4918,7 +4918,7 @@
     </p:spTree>
     <p:extLst>
       <p:ext uri="{BB962C8B-B14F-4D97-AF65-F5344CB8AC3E}">
-        <p14:creationId xmlns:p14="http://schemas.microsoft.com/office/powerpoint/2010/main" val="333352191"/>
+        <p14:creationId xmlns:p14="http://schemas.microsoft.com/office/powerpoint/2010/main" val="4119289846"/>
       </p:ext>
     </p:extLst>
   </p:cSld>
@@ -5193,7 +5193,7 @@
     </p:spTree>
     <p:extLst>
       <p:ext uri="{BB962C8B-B14F-4D97-AF65-F5344CB8AC3E}">
-        <p14:creationId xmlns:p14="http://schemas.microsoft.com/office/powerpoint/2010/main" val="1869515105"/>
+        <p14:creationId xmlns:p14="http://schemas.microsoft.com/office/powerpoint/2010/main" val="58797600"/>
       </p:ext>
     </p:extLst>
   </p:cSld>
@@ -5795,29 +5795,29 @@
     </p:spTree>
     <p:extLst>
       <p:ext uri="{BB962C8B-B14F-4D97-AF65-F5344CB8AC3E}">
-        <p14:creationId xmlns:p14="http://schemas.microsoft.com/office/powerpoint/2010/main" val="1201246403"/>
+        <p14:creationId xmlns:p14="http://schemas.microsoft.com/office/powerpoint/2010/main" val="3565659584"/>
       </p:ext>
     </p:extLst>
   </p:cSld>
   <p:clrMap bg1="dk1" tx1="lt1" bg2="dk2" tx2="lt2" accent1="accent1" accent2="accent2" accent3="accent3" accent4="accent4" accent5="accent5" accent6="accent6" hlink="hlink" folHlink="folHlink"/>
   <p:sldLayoutIdLst>
-    <p:sldLayoutId id="2147483792" r:id="rId1"/>
-    <p:sldLayoutId id="2147483793" r:id="rId2"/>
-    <p:sldLayoutId id="2147483794" r:id="rId3"/>
-    <p:sldLayoutId id="2147483795" r:id="rId4"/>
-    <p:sldLayoutId id="2147483796" r:id="rId5"/>
-    <p:sldLayoutId id="2147483797" r:id="rId6"/>
-    <p:sldLayoutId id="2147483798" r:id="rId7"/>
-    <p:sldLayoutId id="2147483799" r:id="rId8"/>
-    <p:sldLayoutId id="2147483800" r:id="rId9"/>
-    <p:sldLayoutId id="2147483801" r:id="rId10"/>
-    <p:sldLayoutId id="2147483802" r:id="rId11"/>
-    <p:sldLayoutId id="2147483803" r:id="rId12"/>
-    <p:sldLayoutId id="2147483804" r:id="rId13"/>
-    <p:sldLayoutId id="2147483805" r:id="rId14"/>
-    <p:sldLayoutId id="2147483806" r:id="rId15"/>
-    <p:sldLayoutId id="2147483807" r:id="rId16"/>
-    <p:sldLayoutId id="2147483808" r:id="rId17"/>
+    <p:sldLayoutId id="2147483942" r:id="rId1"/>
+    <p:sldLayoutId id="2147483943" r:id="rId2"/>
+    <p:sldLayoutId id="2147483944" r:id="rId3"/>
+    <p:sldLayoutId id="2147483945" r:id="rId4"/>
+    <p:sldLayoutId id="2147483946" r:id="rId5"/>
+    <p:sldLayoutId id="2147483947" r:id="rId6"/>
+    <p:sldLayoutId id="2147483948" r:id="rId7"/>
+    <p:sldLayoutId id="2147483949" r:id="rId8"/>
+    <p:sldLayoutId id="2147483950" r:id="rId9"/>
+    <p:sldLayoutId id="2147483951" r:id="rId10"/>
+    <p:sldLayoutId id="2147483952" r:id="rId11"/>
+    <p:sldLayoutId id="2147483953" r:id="rId12"/>
+    <p:sldLayoutId id="2147483954" r:id="rId13"/>
+    <p:sldLayoutId id="2147483955" r:id="rId14"/>
+    <p:sldLayoutId id="2147483956" r:id="rId15"/>
+    <p:sldLayoutId id="2147483957" r:id="rId16"/>
+    <p:sldLayoutId id="2147483958" r:id="rId17"/>
   </p:sldLayoutIdLst>
   <p:txStyles>
     <p:titleStyle>
@@ -6281,6 +6281,7 @@
           <a:bodyPr/>
           <a:lstStyle/>
           <a:p>
+            <a:pPr algn="r"/>
             <a:r>
               <a:rPr lang="zh-CN" altLang="zh-CN" dirty="0"/>
               <a:t>孔静 尚耔彤</a:t>
@@ -6711,7 +6712,7 @@
           <a:p>
             <a:r>
               <a:rPr lang="zh-CN" altLang="en-US" sz="2400" dirty="0"/>
-              <a:t>目前的进程阻塞住，当有进程退出或被</a:t>
+              <a:t>那么，将目前的进程阻塞住，当有进程退出或被</a:t>
             </a:r>
             <a:r>
               <a:rPr lang="en-US" altLang="zh-CN" sz="2400" dirty="0"/>
@@ -7097,14 +7098,13 @@
         <p:spPr/>
         <p:txBody>
           <a:bodyPr>
-            <a:normAutofit fontScale="95000"/>
+            <a:normAutofit fontScale="87500"/>
           </a:bodyPr>
           <a:lstStyle/>
           <a:p>
-            <a:r>
-              <a:rPr lang="zh-CN" altLang="en-US" sz="2400" dirty="0"/>
-              <a:t>管程控制访问。</a:t>
-            </a:r>
+            <a:pPr marL="0" indent="0">
+              <a:buNone/>
+            </a:pPr>
             <a:endParaRPr lang="en-US" altLang="zh-CN" sz="2400" dirty="0"/>
           </a:p>
           <a:p>
@@ -7160,6 +7160,24 @@
             <a:r>
               <a:rPr lang="zh-CN" altLang="en-US" sz="2400" dirty="0"/>
               <a:t>，记录缓冲区剩余空位的数目。</a:t>
+            </a:r>
+            <a:endParaRPr lang="en-US" altLang="zh-CN" sz="2400" dirty="0"/>
+          </a:p>
+          <a:p>
+            <a:endParaRPr lang="en-US" altLang="zh-CN" sz="2400" dirty="0"/>
+          </a:p>
+          <a:p>
+            <a:r>
+              <a:rPr lang="zh-CN" altLang="en-US" sz="2400" dirty="0"/>
+              <a:t>（或者把管程与信号量综合一下，删去信号量，在条件变量内部加个参数</a:t>
+            </a:r>
+            <a:r>
+              <a:rPr lang="en-US" altLang="zh-CN" sz="2400" dirty="0"/>
+              <a:t>n</a:t>
+            </a:r>
+            <a:r>
+              <a:rPr lang="zh-CN" altLang="en-US" sz="2400" dirty="0"/>
+              <a:t>，记录当前已写数据的数目。）</a:t>
             </a:r>
           </a:p>
         </p:txBody>
@@ -7330,7 +7348,7 @@
         </p:nvSpPr>
         <p:spPr>
           <a:xfrm>
-            <a:off x="5633335" y="1911765"/>
+            <a:off x="5633335" y="2557762"/>
             <a:ext cx="2425065" cy="981075"/>
           </a:xfrm>
           <a:prstGeom prst="roundRect">
@@ -7360,7 +7378,15 @@
             <a:pPr algn="ctr"/>
             <a:r>
               <a:rPr lang="zh-CN" altLang="en-US" dirty="0"/>
-              <a:t>Gets the scan code of the key using IN AL 60H</a:t>
+              <a:t>Gets the scan code of the key using IN</a:t>
+            </a:r>
+            <a:r>
+              <a:rPr lang="en-US" altLang="zh-CN" dirty="0"/>
+              <a:t>T</a:t>
+            </a:r>
+            <a:r>
+              <a:rPr lang="zh-CN" altLang="en-US" dirty="0"/>
+              <a:t> AL 60H</a:t>
             </a:r>
           </a:p>
         </p:txBody>
@@ -7373,7 +7399,7 @@
         </p:nvSpPr>
         <p:spPr>
           <a:xfrm>
-            <a:off x="5633335" y="3192477"/>
+            <a:off x="5633335" y="3838474"/>
             <a:ext cx="2425065" cy="981075"/>
           </a:xfrm>
           <a:prstGeom prst="roundRect">
@@ -7410,13 +7436,13 @@
       </p:sp>
       <p:sp>
         <p:nvSpPr>
-          <p:cNvPr id="11" name="圆角矩形 10"/>
+          <p:cNvPr id="12" name="圆角矩形 11"/>
           <p:cNvSpPr/>
           <p:nvPr/>
         </p:nvSpPr>
         <p:spPr>
           <a:xfrm>
-            <a:off x="5633335" y="5710555"/>
+            <a:off x="5633335" y="5117364"/>
             <a:ext cx="2425065" cy="981075"/>
           </a:xfrm>
           <a:prstGeom prst="roundRect">
@@ -7445,49 +7471,6 @@
           <a:p>
             <a:pPr algn="ctr"/>
             <a:r>
-              <a:rPr lang="en-US" altLang="zh-CN"/>
-              <a:t>do_getchar()</a:t>
-            </a:r>
-          </a:p>
-        </p:txBody>
-      </p:sp>
-      <p:sp>
-        <p:nvSpPr>
-          <p:cNvPr id="12" name="圆角矩形 11"/>
-          <p:cNvSpPr/>
-          <p:nvPr/>
-        </p:nvSpPr>
-        <p:spPr>
-          <a:xfrm>
-            <a:off x="5633335" y="4471367"/>
-            <a:ext cx="2425065" cy="981075"/>
-          </a:xfrm>
-          <a:prstGeom prst="roundRect">
-            <a:avLst/>
-          </a:prstGeom>
-        </p:spPr>
-        <p:style>
-          <a:lnRef idx="2">
-            <a:schemeClr val="accent1">
-              <a:shade val="50000"/>
-            </a:schemeClr>
-          </a:lnRef>
-          <a:fillRef idx="1">
-            <a:schemeClr val="accent1"/>
-          </a:fillRef>
-          <a:effectRef idx="0">
-            <a:schemeClr val="accent1"/>
-          </a:effectRef>
-          <a:fontRef idx="minor">
-            <a:schemeClr val="lt1"/>
-          </a:fontRef>
-        </p:style>
-        <p:txBody>
-          <a:bodyPr rtlCol="0" anchor="ctr"/>
-          <a:lstStyle/>
-          <a:p>
-            <a:pPr algn="ctr"/>
-            <a:r>
               <a:rPr lang="en-US" altLang="zh-CN" dirty="0" err="1"/>
               <a:t>putchar</a:t>
             </a:r>
@@ -7513,7 +7496,7 @@
         </p:nvSpPr>
         <p:spPr>
           <a:xfrm>
-            <a:off x="6701405" y="2955485"/>
+            <a:off x="6701405" y="3601482"/>
             <a:ext cx="274320" cy="215788"/>
           </a:xfrm>
           <a:prstGeom prst="downArrow">
@@ -7547,53 +7530,13 @@
       </p:sp>
       <p:sp>
         <p:nvSpPr>
-          <p:cNvPr id="14" name="下箭头 13"/>
-          <p:cNvSpPr/>
-          <p:nvPr/>
-        </p:nvSpPr>
-        <p:spPr>
-          <a:xfrm>
-            <a:off x="6716010" y="5486400"/>
-            <a:ext cx="254633" cy="197651"/>
-          </a:xfrm>
-          <a:prstGeom prst="downArrow">
-            <a:avLst/>
-          </a:prstGeom>
-        </p:spPr>
-        <p:style>
-          <a:lnRef idx="2">
-            <a:schemeClr val="accent1">
-              <a:shade val="50000"/>
-            </a:schemeClr>
-          </a:lnRef>
-          <a:fillRef idx="1">
-            <a:schemeClr val="accent1"/>
-          </a:fillRef>
-          <a:effectRef idx="0">
-            <a:schemeClr val="accent1"/>
-          </a:effectRef>
-          <a:fontRef idx="minor">
-            <a:schemeClr val="lt1"/>
-          </a:fontRef>
-        </p:style>
-        <p:txBody>
-          <a:bodyPr rtlCol="0" anchor="ctr"/>
-          <a:lstStyle/>
-          <a:p>
-            <a:pPr algn="ctr"/>
-            <a:endParaRPr lang="zh-CN" altLang="en-US"/>
-          </a:p>
-        </p:txBody>
-      </p:sp>
-      <p:sp>
-        <p:nvSpPr>
           <p:cNvPr id="15" name="下箭头 14"/>
           <p:cNvSpPr/>
           <p:nvPr/>
         </p:nvSpPr>
         <p:spPr>
           <a:xfrm>
-            <a:off x="6714657" y="4234458"/>
+            <a:off x="6714657" y="4880455"/>
             <a:ext cx="261068" cy="162697"/>
           </a:xfrm>
           <a:prstGeom prst="downArrow">
@@ -7787,7 +7730,9 @@
           </a:xfrm>
         </p:spPr>
         <p:txBody>
-          <a:bodyPr/>
+          <a:bodyPr>
+            <a:normAutofit fontScale="90000"/>
+          </a:bodyPr>
           <a:lstStyle/>
           <a:p>
             <a:r>
